--- a/ppt 16-9/1285.主的小仆人.pptx
+++ b/ppt 16-9/1285.主的小仆人.pptx
@@ -129,7 +129,7 @@
           <p:cNvPr id="2" name="标题 1">
             <a:extLst>
               <a:ext uri="{FF2B5EF4-FFF2-40B4-BE49-F238E27FC236}">
-                <a16:creationId xmlns:a16="http://schemas.microsoft.com/office/drawing/2014/main" id="{883B3D42-1CD7-71CB-169B-F858E8373E26}"/>
+                <a16:creationId xmlns:a16="http://schemas.microsoft.com/office/drawing/2014/main" id="{3839DC3E-216B-7A5B-0C1D-F017A7D6C690}"/>
               </a:ext>
             </a:extLst>
           </p:cNvPr>
@@ -166,7 +166,7 @@
           <p:cNvPr id="3" name="副标题 2">
             <a:extLst>
               <a:ext uri="{FF2B5EF4-FFF2-40B4-BE49-F238E27FC236}">
-                <a16:creationId xmlns:a16="http://schemas.microsoft.com/office/drawing/2014/main" id="{04646508-7E48-88DF-F8C7-DA968A31C115}"/>
+                <a16:creationId xmlns:a16="http://schemas.microsoft.com/office/drawing/2014/main" id="{57E02DEC-ADB6-2F66-321F-568B18D444C9}"/>
               </a:ext>
             </a:extLst>
           </p:cNvPr>
@@ -236,7 +236,7 @@
           <p:cNvPr id="4" name="日期占位符 3">
             <a:extLst>
               <a:ext uri="{FF2B5EF4-FFF2-40B4-BE49-F238E27FC236}">
-                <a16:creationId xmlns:a16="http://schemas.microsoft.com/office/drawing/2014/main" id="{4F2D8D0A-B450-210E-D8F8-83FB2E45B01F}"/>
+                <a16:creationId xmlns:a16="http://schemas.microsoft.com/office/drawing/2014/main" id="{0D30AA63-7D9B-7DFF-525A-64B5845E220A}"/>
               </a:ext>
             </a:extLst>
           </p:cNvPr>
@@ -252,7 +252,7 @@
           <a:bodyPr/>
           <a:lstStyle/>
           <a:p>
-            <a:fld id="{2DEFC3F2-9836-421C-A191-EC00E13C977F}" type="datetimeFigureOut">
+            <a:fld id="{CC7B7455-9CB7-46C8-86D2-17A22DE21864}" type="datetimeFigureOut">
               <a:rPr lang="zh-CN" altLang="en-US" smtClean="0"/>
               <a:t>2024/3/10</a:t>
             </a:fld>
@@ -265,7 +265,7 @@
           <p:cNvPr id="5" name="页脚占位符 4">
             <a:extLst>
               <a:ext uri="{FF2B5EF4-FFF2-40B4-BE49-F238E27FC236}">
-                <a16:creationId xmlns:a16="http://schemas.microsoft.com/office/drawing/2014/main" id="{8BD8B060-D2D5-06A9-0BD5-3040C975E1A0}"/>
+                <a16:creationId xmlns:a16="http://schemas.microsoft.com/office/drawing/2014/main" id="{397C8A93-ED85-82E7-3E76-C50DBA059390}"/>
               </a:ext>
             </a:extLst>
           </p:cNvPr>
@@ -290,7 +290,7 @@
           <p:cNvPr id="6" name="灯片编号占位符 5">
             <a:extLst>
               <a:ext uri="{FF2B5EF4-FFF2-40B4-BE49-F238E27FC236}">
-                <a16:creationId xmlns:a16="http://schemas.microsoft.com/office/drawing/2014/main" id="{6FBB18F9-1332-E85E-EF7E-4D7E3C3E704B}"/>
+                <a16:creationId xmlns:a16="http://schemas.microsoft.com/office/drawing/2014/main" id="{69E11638-D857-9E4F-5594-F78A6B99A0F9}"/>
               </a:ext>
             </a:extLst>
           </p:cNvPr>
@@ -306,7 +306,7 @@
           <a:bodyPr/>
           <a:lstStyle/>
           <a:p>
-            <a:fld id="{E8336413-7287-4ED6-BC79-674E0B0323A7}" type="slidenum">
+            <a:fld id="{868F5E60-DE34-4CC5-907E-24705BD6C173}" type="slidenum">
               <a:rPr lang="zh-CN" altLang="en-US" smtClean="0"/>
               <a:t>‹#›</a:t>
             </a:fld>
@@ -317,7 +317,7 @@
     </p:spTree>
     <p:extLst>
       <p:ext uri="{BB962C8B-B14F-4D97-AF65-F5344CB8AC3E}">
-        <p14:creationId xmlns:p14="http://schemas.microsoft.com/office/powerpoint/2010/main" val="3258119152"/>
+        <p14:creationId xmlns:p14="http://schemas.microsoft.com/office/powerpoint/2010/main" val="637987840"/>
       </p:ext>
     </p:extLst>
   </p:cSld>
@@ -349,7 +349,7 @@
           <p:cNvPr id="2" name="标题 1">
             <a:extLst>
               <a:ext uri="{FF2B5EF4-FFF2-40B4-BE49-F238E27FC236}">
-                <a16:creationId xmlns:a16="http://schemas.microsoft.com/office/drawing/2014/main" id="{7A445C81-93C5-6F74-65F9-5AC39A6A3A22}"/>
+                <a16:creationId xmlns:a16="http://schemas.microsoft.com/office/drawing/2014/main" id="{0E2A5137-E3DA-9087-72FB-E24824883F4D}"/>
               </a:ext>
             </a:extLst>
           </p:cNvPr>
@@ -377,7 +377,7 @@
           <p:cNvPr id="3" name="竖排文字占位符 2">
             <a:extLst>
               <a:ext uri="{FF2B5EF4-FFF2-40B4-BE49-F238E27FC236}">
-                <a16:creationId xmlns:a16="http://schemas.microsoft.com/office/drawing/2014/main" id="{6EE75B1D-64E7-35B9-7DF8-DB51CFE730B4}"/>
+                <a16:creationId xmlns:a16="http://schemas.microsoft.com/office/drawing/2014/main" id="{A868021F-E4DA-D3AA-98DF-AF8A1C8E6F4E}"/>
               </a:ext>
             </a:extLst>
           </p:cNvPr>
@@ -434,7 +434,7 @@
           <p:cNvPr id="4" name="日期占位符 3">
             <a:extLst>
               <a:ext uri="{FF2B5EF4-FFF2-40B4-BE49-F238E27FC236}">
-                <a16:creationId xmlns:a16="http://schemas.microsoft.com/office/drawing/2014/main" id="{561008CB-22A7-98F4-A2D6-BC7BC9703993}"/>
+                <a16:creationId xmlns:a16="http://schemas.microsoft.com/office/drawing/2014/main" id="{F99A9614-6586-E826-FEDC-E0BD21B485D9}"/>
               </a:ext>
             </a:extLst>
           </p:cNvPr>
@@ -450,7 +450,7 @@
           <a:bodyPr/>
           <a:lstStyle/>
           <a:p>
-            <a:fld id="{2DEFC3F2-9836-421C-A191-EC00E13C977F}" type="datetimeFigureOut">
+            <a:fld id="{CC7B7455-9CB7-46C8-86D2-17A22DE21864}" type="datetimeFigureOut">
               <a:rPr lang="zh-CN" altLang="en-US" smtClean="0"/>
               <a:t>2024/3/10</a:t>
             </a:fld>
@@ -463,7 +463,7 @@
           <p:cNvPr id="5" name="页脚占位符 4">
             <a:extLst>
               <a:ext uri="{FF2B5EF4-FFF2-40B4-BE49-F238E27FC236}">
-                <a16:creationId xmlns:a16="http://schemas.microsoft.com/office/drawing/2014/main" id="{2DB2DB2E-2E98-C15D-9EE2-BCD8A0C00CF7}"/>
+                <a16:creationId xmlns:a16="http://schemas.microsoft.com/office/drawing/2014/main" id="{CF6B6452-3FD8-9453-B7AC-EC122361E80F}"/>
               </a:ext>
             </a:extLst>
           </p:cNvPr>
@@ -488,7 +488,7 @@
           <p:cNvPr id="6" name="灯片编号占位符 5">
             <a:extLst>
               <a:ext uri="{FF2B5EF4-FFF2-40B4-BE49-F238E27FC236}">
-                <a16:creationId xmlns:a16="http://schemas.microsoft.com/office/drawing/2014/main" id="{F16164DB-6443-7692-F024-F61551E571BB}"/>
+                <a16:creationId xmlns:a16="http://schemas.microsoft.com/office/drawing/2014/main" id="{438F2EF0-DDCB-F6C3-D08D-8C554CCE0E30}"/>
               </a:ext>
             </a:extLst>
           </p:cNvPr>
@@ -504,7 +504,7 @@
           <a:bodyPr/>
           <a:lstStyle/>
           <a:p>
-            <a:fld id="{E8336413-7287-4ED6-BC79-674E0B0323A7}" type="slidenum">
+            <a:fld id="{868F5E60-DE34-4CC5-907E-24705BD6C173}" type="slidenum">
               <a:rPr lang="zh-CN" altLang="en-US" smtClean="0"/>
               <a:t>‹#›</a:t>
             </a:fld>
@@ -515,7 +515,7 @@
     </p:spTree>
     <p:extLst>
       <p:ext uri="{BB962C8B-B14F-4D97-AF65-F5344CB8AC3E}">
-        <p14:creationId xmlns:p14="http://schemas.microsoft.com/office/powerpoint/2010/main" val="1662942226"/>
+        <p14:creationId xmlns:p14="http://schemas.microsoft.com/office/powerpoint/2010/main" val="4054414149"/>
       </p:ext>
     </p:extLst>
   </p:cSld>
@@ -547,7 +547,7 @@
           <p:cNvPr id="2" name="竖排标题 1">
             <a:extLst>
               <a:ext uri="{FF2B5EF4-FFF2-40B4-BE49-F238E27FC236}">
-                <a16:creationId xmlns:a16="http://schemas.microsoft.com/office/drawing/2014/main" id="{43C4F34B-8EB2-E6EB-14E8-998B2806145C}"/>
+                <a16:creationId xmlns:a16="http://schemas.microsoft.com/office/drawing/2014/main" id="{CD568A30-1389-6088-DAE6-DE0CF8927063}"/>
               </a:ext>
             </a:extLst>
           </p:cNvPr>
@@ -580,7 +580,7 @@
           <p:cNvPr id="3" name="竖排文字占位符 2">
             <a:extLst>
               <a:ext uri="{FF2B5EF4-FFF2-40B4-BE49-F238E27FC236}">
-                <a16:creationId xmlns:a16="http://schemas.microsoft.com/office/drawing/2014/main" id="{5E0E4A19-F339-A445-39A0-2B26791D4917}"/>
+                <a16:creationId xmlns:a16="http://schemas.microsoft.com/office/drawing/2014/main" id="{FEF99566-65DC-D4CF-45B7-F7BCB4D7D23F}"/>
               </a:ext>
             </a:extLst>
           </p:cNvPr>
@@ -642,7 +642,7 @@
           <p:cNvPr id="4" name="日期占位符 3">
             <a:extLst>
               <a:ext uri="{FF2B5EF4-FFF2-40B4-BE49-F238E27FC236}">
-                <a16:creationId xmlns:a16="http://schemas.microsoft.com/office/drawing/2014/main" id="{5909D6CC-2F2A-5C9A-4240-99EA8E607628}"/>
+                <a16:creationId xmlns:a16="http://schemas.microsoft.com/office/drawing/2014/main" id="{21C23B3E-7146-F7A8-FCB7-744989A7A598}"/>
               </a:ext>
             </a:extLst>
           </p:cNvPr>
@@ -658,7 +658,7 @@
           <a:bodyPr/>
           <a:lstStyle/>
           <a:p>
-            <a:fld id="{2DEFC3F2-9836-421C-A191-EC00E13C977F}" type="datetimeFigureOut">
+            <a:fld id="{CC7B7455-9CB7-46C8-86D2-17A22DE21864}" type="datetimeFigureOut">
               <a:rPr lang="zh-CN" altLang="en-US" smtClean="0"/>
               <a:t>2024/3/10</a:t>
             </a:fld>
@@ -671,7 +671,7 @@
           <p:cNvPr id="5" name="页脚占位符 4">
             <a:extLst>
               <a:ext uri="{FF2B5EF4-FFF2-40B4-BE49-F238E27FC236}">
-                <a16:creationId xmlns:a16="http://schemas.microsoft.com/office/drawing/2014/main" id="{3E12A91F-F3F7-4F7E-EF65-3AD287A5C946}"/>
+                <a16:creationId xmlns:a16="http://schemas.microsoft.com/office/drawing/2014/main" id="{AED54E29-9240-4DF0-A3AC-4D08FFD0610B}"/>
               </a:ext>
             </a:extLst>
           </p:cNvPr>
@@ -696,7 +696,7 @@
           <p:cNvPr id="6" name="灯片编号占位符 5">
             <a:extLst>
               <a:ext uri="{FF2B5EF4-FFF2-40B4-BE49-F238E27FC236}">
-                <a16:creationId xmlns:a16="http://schemas.microsoft.com/office/drawing/2014/main" id="{466FD107-08A1-B371-5CBC-7301CF88C16A}"/>
+                <a16:creationId xmlns:a16="http://schemas.microsoft.com/office/drawing/2014/main" id="{4CE7FF6F-D872-698D-A580-1A34FDCE409B}"/>
               </a:ext>
             </a:extLst>
           </p:cNvPr>
@@ -712,7 +712,7 @@
           <a:bodyPr/>
           <a:lstStyle/>
           <a:p>
-            <a:fld id="{E8336413-7287-4ED6-BC79-674E0B0323A7}" type="slidenum">
+            <a:fld id="{868F5E60-DE34-4CC5-907E-24705BD6C173}" type="slidenum">
               <a:rPr lang="zh-CN" altLang="en-US" smtClean="0"/>
               <a:t>‹#›</a:t>
             </a:fld>
@@ -723,7 +723,7 @@
     </p:spTree>
     <p:extLst>
       <p:ext uri="{BB962C8B-B14F-4D97-AF65-F5344CB8AC3E}">
-        <p14:creationId xmlns:p14="http://schemas.microsoft.com/office/powerpoint/2010/main" val="1390204531"/>
+        <p14:creationId xmlns:p14="http://schemas.microsoft.com/office/powerpoint/2010/main" val="806430494"/>
       </p:ext>
     </p:extLst>
   </p:cSld>
@@ -755,7 +755,7 @@
           <p:cNvPr id="2" name="标题 1">
             <a:extLst>
               <a:ext uri="{FF2B5EF4-FFF2-40B4-BE49-F238E27FC236}">
-                <a16:creationId xmlns:a16="http://schemas.microsoft.com/office/drawing/2014/main" id="{3998757F-06AE-D579-3945-7C76ED0CC99D}"/>
+                <a16:creationId xmlns:a16="http://schemas.microsoft.com/office/drawing/2014/main" id="{69E82D69-6B55-E332-6B6C-64EBAC68A7CF}"/>
               </a:ext>
             </a:extLst>
           </p:cNvPr>
@@ -783,7 +783,7 @@
           <p:cNvPr id="3" name="内容占位符 2">
             <a:extLst>
               <a:ext uri="{FF2B5EF4-FFF2-40B4-BE49-F238E27FC236}">
-                <a16:creationId xmlns:a16="http://schemas.microsoft.com/office/drawing/2014/main" id="{7317A04B-D5AE-9DAB-A0BB-6C7F39A654AC}"/>
+                <a16:creationId xmlns:a16="http://schemas.microsoft.com/office/drawing/2014/main" id="{10F1551D-DE41-1706-E631-7513DE976B1D}"/>
               </a:ext>
             </a:extLst>
           </p:cNvPr>
@@ -840,7 +840,7 @@
           <p:cNvPr id="4" name="日期占位符 3">
             <a:extLst>
               <a:ext uri="{FF2B5EF4-FFF2-40B4-BE49-F238E27FC236}">
-                <a16:creationId xmlns:a16="http://schemas.microsoft.com/office/drawing/2014/main" id="{DAB669D2-5F33-30EC-2528-52C747860D8A}"/>
+                <a16:creationId xmlns:a16="http://schemas.microsoft.com/office/drawing/2014/main" id="{F12F8EAD-E219-9C0D-ACB3-7DB8A48E2222}"/>
               </a:ext>
             </a:extLst>
           </p:cNvPr>
@@ -856,7 +856,7 @@
           <a:bodyPr/>
           <a:lstStyle/>
           <a:p>
-            <a:fld id="{2DEFC3F2-9836-421C-A191-EC00E13C977F}" type="datetimeFigureOut">
+            <a:fld id="{CC7B7455-9CB7-46C8-86D2-17A22DE21864}" type="datetimeFigureOut">
               <a:rPr lang="zh-CN" altLang="en-US" smtClean="0"/>
               <a:t>2024/3/10</a:t>
             </a:fld>
@@ -869,7 +869,7 @@
           <p:cNvPr id="5" name="页脚占位符 4">
             <a:extLst>
               <a:ext uri="{FF2B5EF4-FFF2-40B4-BE49-F238E27FC236}">
-                <a16:creationId xmlns:a16="http://schemas.microsoft.com/office/drawing/2014/main" id="{7D6391C3-185B-5D80-90CF-FB8694D1D330}"/>
+                <a16:creationId xmlns:a16="http://schemas.microsoft.com/office/drawing/2014/main" id="{D569CA3E-AA3B-D521-C6A5-98F63ED55B75}"/>
               </a:ext>
             </a:extLst>
           </p:cNvPr>
@@ -894,7 +894,7 @@
           <p:cNvPr id="6" name="灯片编号占位符 5">
             <a:extLst>
               <a:ext uri="{FF2B5EF4-FFF2-40B4-BE49-F238E27FC236}">
-                <a16:creationId xmlns:a16="http://schemas.microsoft.com/office/drawing/2014/main" id="{2685857F-6C00-32D1-415A-FC335DF7D0F6}"/>
+                <a16:creationId xmlns:a16="http://schemas.microsoft.com/office/drawing/2014/main" id="{4F96CD8B-3624-6B4C-739F-93C7564DBED6}"/>
               </a:ext>
             </a:extLst>
           </p:cNvPr>
@@ -910,7 +910,7 @@
           <a:bodyPr/>
           <a:lstStyle/>
           <a:p>
-            <a:fld id="{E8336413-7287-4ED6-BC79-674E0B0323A7}" type="slidenum">
+            <a:fld id="{868F5E60-DE34-4CC5-907E-24705BD6C173}" type="slidenum">
               <a:rPr lang="zh-CN" altLang="en-US" smtClean="0"/>
               <a:t>‹#›</a:t>
             </a:fld>
@@ -921,7 +921,7 @@
     </p:spTree>
     <p:extLst>
       <p:ext uri="{BB962C8B-B14F-4D97-AF65-F5344CB8AC3E}">
-        <p14:creationId xmlns:p14="http://schemas.microsoft.com/office/powerpoint/2010/main" val="2309415752"/>
+        <p14:creationId xmlns:p14="http://schemas.microsoft.com/office/powerpoint/2010/main" val="3008111907"/>
       </p:ext>
     </p:extLst>
   </p:cSld>
@@ -953,7 +953,7 @@
           <p:cNvPr id="2" name="标题 1">
             <a:extLst>
               <a:ext uri="{FF2B5EF4-FFF2-40B4-BE49-F238E27FC236}">
-                <a16:creationId xmlns:a16="http://schemas.microsoft.com/office/drawing/2014/main" id="{2CE28777-DFB9-02D7-8026-AFAA20256EFF}"/>
+                <a16:creationId xmlns:a16="http://schemas.microsoft.com/office/drawing/2014/main" id="{917F8DC2-5162-68EF-58C4-4C1460574371}"/>
               </a:ext>
             </a:extLst>
           </p:cNvPr>
@@ -990,7 +990,7 @@
           <p:cNvPr id="3" name="文本占位符 2">
             <a:extLst>
               <a:ext uri="{FF2B5EF4-FFF2-40B4-BE49-F238E27FC236}">
-                <a16:creationId xmlns:a16="http://schemas.microsoft.com/office/drawing/2014/main" id="{6236D986-CF95-06D8-62E9-D79B8D3FF19B}"/>
+                <a16:creationId xmlns:a16="http://schemas.microsoft.com/office/drawing/2014/main" id="{53008CB6-7D32-2642-FAEE-D8265F62DE37}"/>
               </a:ext>
             </a:extLst>
           </p:cNvPr>
@@ -1115,7 +1115,7 @@
           <p:cNvPr id="4" name="日期占位符 3">
             <a:extLst>
               <a:ext uri="{FF2B5EF4-FFF2-40B4-BE49-F238E27FC236}">
-                <a16:creationId xmlns:a16="http://schemas.microsoft.com/office/drawing/2014/main" id="{4020FEC8-81CC-8A6F-F96B-4A59D9B77979}"/>
+                <a16:creationId xmlns:a16="http://schemas.microsoft.com/office/drawing/2014/main" id="{0518E051-3FBF-AB05-D6A0-FB4B910585C5}"/>
               </a:ext>
             </a:extLst>
           </p:cNvPr>
@@ -1131,7 +1131,7 @@
           <a:bodyPr/>
           <a:lstStyle/>
           <a:p>
-            <a:fld id="{2DEFC3F2-9836-421C-A191-EC00E13C977F}" type="datetimeFigureOut">
+            <a:fld id="{CC7B7455-9CB7-46C8-86D2-17A22DE21864}" type="datetimeFigureOut">
               <a:rPr lang="zh-CN" altLang="en-US" smtClean="0"/>
               <a:t>2024/3/10</a:t>
             </a:fld>
@@ -1144,7 +1144,7 @@
           <p:cNvPr id="5" name="页脚占位符 4">
             <a:extLst>
               <a:ext uri="{FF2B5EF4-FFF2-40B4-BE49-F238E27FC236}">
-                <a16:creationId xmlns:a16="http://schemas.microsoft.com/office/drawing/2014/main" id="{AB7ABB77-85C7-09E9-C760-903F33C175C7}"/>
+                <a16:creationId xmlns:a16="http://schemas.microsoft.com/office/drawing/2014/main" id="{A15F7E40-7828-EEF7-DEC0-B0FF85133FC4}"/>
               </a:ext>
             </a:extLst>
           </p:cNvPr>
@@ -1169,7 +1169,7 @@
           <p:cNvPr id="6" name="灯片编号占位符 5">
             <a:extLst>
               <a:ext uri="{FF2B5EF4-FFF2-40B4-BE49-F238E27FC236}">
-                <a16:creationId xmlns:a16="http://schemas.microsoft.com/office/drawing/2014/main" id="{81B9F0CD-698D-EC8B-3435-B997CD60D073}"/>
+                <a16:creationId xmlns:a16="http://schemas.microsoft.com/office/drawing/2014/main" id="{77CF1C71-73B9-105D-13D4-2B5958903F6B}"/>
               </a:ext>
             </a:extLst>
           </p:cNvPr>
@@ -1185,7 +1185,7 @@
           <a:bodyPr/>
           <a:lstStyle/>
           <a:p>
-            <a:fld id="{E8336413-7287-4ED6-BC79-674E0B0323A7}" type="slidenum">
+            <a:fld id="{868F5E60-DE34-4CC5-907E-24705BD6C173}" type="slidenum">
               <a:rPr lang="zh-CN" altLang="en-US" smtClean="0"/>
               <a:t>‹#›</a:t>
             </a:fld>
@@ -1196,7 +1196,7 @@
     </p:spTree>
     <p:extLst>
       <p:ext uri="{BB962C8B-B14F-4D97-AF65-F5344CB8AC3E}">
-        <p14:creationId xmlns:p14="http://schemas.microsoft.com/office/powerpoint/2010/main" val="3883236788"/>
+        <p14:creationId xmlns:p14="http://schemas.microsoft.com/office/powerpoint/2010/main" val="3578303682"/>
       </p:ext>
     </p:extLst>
   </p:cSld>
@@ -1228,7 +1228,7 @@
           <p:cNvPr id="2" name="标题 1">
             <a:extLst>
               <a:ext uri="{FF2B5EF4-FFF2-40B4-BE49-F238E27FC236}">
-                <a16:creationId xmlns:a16="http://schemas.microsoft.com/office/drawing/2014/main" id="{6BC0FCFA-8740-6A95-9A33-9D6530076EFE}"/>
+                <a16:creationId xmlns:a16="http://schemas.microsoft.com/office/drawing/2014/main" id="{C1F9AD7A-12C0-445E-C320-959851031B37}"/>
               </a:ext>
             </a:extLst>
           </p:cNvPr>
@@ -1256,7 +1256,7 @@
           <p:cNvPr id="3" name="内容占位符 2">
             <a:extLst>
               <a:ext uri="{FF2B5EF4-FFF2-40B4-BE49-F238E27FC236}">
-                <a16:creationId xmlns:a16="http://schemas.microsoft.com/office/drawing/2014/main" id="{4E69017F-1AD0-61C8-EEA0-3772108A68E9}"/>
+                <a16:creationId xmlns:a16="http://schemas.microsoft.com/office/drawing/2014/main" id="{5321EDE8-1828-7A0B-8B39-D94363E268B9}"/>
               </a:ext>
             </a:extLst>
           </p:cNvPr>
@@ -1318,7 +1318,7 @@
           <p:cNvPr id="4" name="内容占位符 3">
             <a:extLst>
               <a:ext uri="{FF2B5EF4-FFF2-40B4-BE49-F238E27FC236}">
-                <a16:creationId xmlns:a16="http://schemas.microsoft.com/office/drawing/2014/main" id="{46AA09BB-3BC8-10B5-D04C-CE5FA8B805CD}"/>
+                <a16:creationId xmlns:a16="http://schemas.microsoft.com/office/drawing/2014/main" id="{BB95ECD1-9EA3-4DEE-F4AB-30B8B9E66351}"/>
               </a:ext>
             </a:extLst>
           </p:cNvPr>
@@ -1380,7 +1380,7 @@
           <p:cNvPr id="5" name="日期占位符 4">
             <a:extLst>
               <a:ext uri="{FF2B5EF4-FFF2-40B4-BE49-F238E27FC236}">
-                <a16:creationId xmlns:a16="http://schemas.microsoft.com/office/drawing/2014/main" id="{0F03ED79-397F-CBC7-7565-19ADDD569403}"/>
+                <a16:creationId xmlns:a16="http://schemas.microsoft.com/office/drawing/2014/main" id="{956D2490-2795-CFEF-2163-FFA58D3FD3A9}"/>
               </a:ext>
             </a:extLst>
           </p:cNvPr>
@@ -1396,7 +1396,7 @@
           <a:bodyPr/>
           <a:lstStyle/>
           <a:p>
-            <a:fld id="{2DEFC3F2-9836-421C-A191-EC00E13C977F}" type="datetimeFigureOut">
+            <a:fld id="{CC7B7455-9CB7-46C8-86D2-17A22DE21864}" type="datetimeFigureOut">
               <a:rPr lang="zh-CN" altLang="en-US" smtClean="0"/>
               <a:t>2024/3/10</a:t>
             </a:fld>
@@ -1409,7 +1409,7 @@
           <p:cNvPr id="6" name="页脚占位符 5">
             <a:extLst>
               <a:ext uri="{FF2B5EF4-FFF2-40B4-BE49-F238E27FC236}">
-                <a16:creationId xmlns:a16="http://schemas.microsoft.com/office/drawing/2014/main" id="{72CF372C-DB4B-AF63-F871-720AC4EC1ED7}"/>
+                <a16:creationId xmlns:a16="http://schemas.microsoft.com/office/drawing/2014/main" id="{A59FD4A1-322E-029B-F44D-037F825B2748}"/>
               </a:ext>
             </a:extLst>
           </p:cNvPr>
@@ -1434,7 +1434,7 @@
           <p:cNvPr id="7" name="灯片编号占位符 6">
             <a:extLst>
               <a:ext uri="{FF2B5EF4-FFF2-40B4-BE49-F238E27FC236}">
-                <a16:creationId xmlns:a16="http://schemas.microsoft.com/office/drawing/2014/main" id="{605091AE-16B9-8768-82B0-76224AB506A9}"/>
+                <a16:creationId xmlns:a16="http://schemas.microsoft.com/office/drawing/2014/main" id="{76F5D768-8DEB-94E1-0875-77D143712F55}"/>
               </a:ext>
             </a:extLst>
           </p:cNvPr>
@@ -1450,7 +1450,7 @@
           <a:bodyPr/>
           <a:lstStyle/>
           <a:p>
-            <a:fld id="{E8336413-7287-4ED6-BC79-674E0B0323A7}" type="slidenum">
+            <a:fld id="{868F5E60-DE34-4CC5-907E-24705BD6C173}" type="slidenum">
               <a:rPr lang="zh-CN" altLang="en-US" smtClean="0"/>
               <a:t>‹#›</a:t>
             </a:fld>
@@ -1461,7 +1461,7 @@
     </p:spTree>
     <p:extLst>
       <p:ext uri="{BB962C8B-B14F-4D97-AF65-F5344CB8AC3E}">
-        <p14:creationId xmlns:p14="http://schemas.microsoft.com/office/powerpoint/2010/main" val="2174492784"/>
+        <p14:creationId xmlns:p14="http://schemas.microsoft.com/office/powerpoint/2010/main" val="614554322"/>
       </p:ext>
     </p:extLst>
   </p:cSld>
@@ -1493,7 +1493,7 @@
           <p:cNvPr id="2" name="标题 1">
             <a:extLst>
               <a:ext uri="{FF2B5EF4-FFF2-40B4-BE49-F238E27FC236}">
-                <a16:creationId xmlns:a16="http://schemas.microsoft.com/office/drawing/2014/main" id="{678C1C13-155E-C069-BE7D-ABF032BA2478}"/>
+                <a16:creationId xmlns:a16="http://schemas.microsoft.com/office/drawing/2014/main" id="{8CE209F8-44FB-2E6B-A855-D75E45512250}"/>
               </a:ext>
             </a:extLst>
           </p:cNvPr>
@@ -1526,7 +1526,7 @@
           <p:cNvPr id="3" name="文本占位符 2">
             <a:extLst>
               <a:ext uri="{FF2B5EF4-FFF2-40B4-BE49-F238E27FC236}">
-                <a16:creationId xmlns:a16="http://schemas.microsoft.com/office/drawing/2014/main" id="{9041BF67-9CD8-C406-EF8C-01D018346B77}"/>
+                <a16:creationId xmlns:a16="http://schemas.microsoft.com/office/drawing/2014/main" id="{831D18AB-8471-E33F-C404-8D83BD7F20B7}"/>
               </a:ext>
             </a:extLst>
           </p:cNvPr>
@@ -1597,7 +1597,7 @@
           <p:cNvPr id="4" name="内容占位符 3">
             <a:extLst>
               <a:ext uri="{FF2B5EF4-FFF2-40B4-BE49-F238E27FC236}">
-                <a16:creationId xmlns:a16="http://schemas.microsoft.com/office/drawing/2014/main" id="{A2732BEF-2AF0-A3B0-D4C8-CAF992BB9A26}"/>
+                <a16:creationId xmlns:a16="http://schemas.microsoft.com/office/drawing/2014/main" id="{34173B0C-6175-5484-414D-D130FFE2402E}"/>
               </a:ext>
             </a:extLst>
           </p:cNvPr>
@@ -1659,7 +1659,7 @@
           <p:cNvPr id="5" name="文本占位符 4">
             <a:extLst>
               <a:ext uri="{FF2B5EF4-FFF2-40B4-BE49-F238E27FC236}">
-                <a16:creationId xmlns:a16="http://schemas.microsoft.com/office/drawing/2014/main" id="{03418C78-CE42-666F-A644-833096F0F07C}"/>
+                <a16:creationId xmlns:a16="http://schemas.microsoft.com/office/drawing/2014/main" id="{3FFC4DA6-B559-0D3F-2143-7901CCCA2918}"/>
               </a:ext>
             </a:extLst>
           </p:cNvPr>
@@ -1730,7 +1730,7 @@
           <p:cNvPr id="6" name="内容占位符 5">
             <a:extLst>
               <a:ext uri="{FF2B5EF4-FFF2-40B4-BE49-F238E27FC236}">
-                <a16:creationId xmlns:a16="http://schemas.microsoft.com/office/drawing/2014/main" id="{87660C5C-F966-848F-F391-B02A03334674}"/>
+                <a16:creationId xmlns:a16="http://schemas.microsoft.com/office/drawing/2014/main" id="{6773FCB1-0248-9646-2CF5-FDA346CBFA8A}"/>
               </a:ext>
             </a:extLst>
           </p:cNvPr>
@@ -1792,7 +1792,7 @@
           <p:cNvPr id="7" name="日期占位符 6">
             <a:extLst>
               <a:ext uri="{FF2B5EF4-FFF2-40B4-BE49-F238E27FC236}">
-                <a16:creationId xmlns:a16="http://schemas.microsoft.com/office/drawing/2014/main" id="{D8ECEB46-E33A-0458-E099-D03735382819}"/>
+                <a16:creationId xmlns:a16="http://schemas.microsoft.com/office/drawing/2014/main" id="{F8ADAAD1-DF78-8189-6D31-CCE3D52D8EAD}"/>
               </a:ext>
             </a:extLst>
           </p:cNvPr>
@@ -1808,7 +1808,7 @@
           <a:bodyPr/>
           <a:lstStyle/>
           <a:p>
-            <a:fld id="{2DEFC3F2-9836-421C-A191-EC00E13C977F}" type="datetimeFigureOut">
+            <a:fld id="{CC7B7455-9CB7-46C8-86D2-17A22DE21864}" type="datetimeFigureOut">
               <a:rPr lang="zh-CN" altLang="en-US" smtClean="0"/>
               <a:t>2024/3/10</a:t>
             </a:fld>
@@ -1821,7 +1821,7 @@
           <p:cNvPr id="8" name="页脚占位符 7">
             <a:extLst>
               <a:ext uri="{FF2B5EF4-FFF2-40B4-BE49-F238E27FC236}">
-                <a16:creationId xmlns:a16="http://schemas.microsoft.com/office/drawing/2014/main" id="{6AEC240A-D22F-1D55-CAD4-74A104170924}"/>
+                <a16:creationId xmlns:a16="http://schemas.microsoft.com/office/drawing/2014/main" id="{8E54F556-EFAE-C23A-7CAA-9072BB41BA85}"/>
               </a:ext>
             </a:extLst>
           </p:cNvPr>
@@ -1846,7 +1846,7 @@
           <p:cNvPr id="9" name="灯片编号占位符 8">
             <a:extLst>
               <a:ext uri="{FF2B5EF4-FFF2-40B4-BE49-F238E27FC236}">
-                <a16:creationId xmlns:a16="http://schemas.microsoft.com/office/drawing/2014/main" id="{57456C6A-0723-AB0E-C017-4FCA602A878C}"/>
+                <a16:creationId xmlns:a16="http://schemas.microsoft.com/office/drawing/2014/main" id="{B2A50470-0598-2AE0-CDA8-8F95D14491BE}"/>
               </a:ext>
             </a:extLst>
           </p:cNvPr>
@@ -1862,7 +1862,7 @@
           <a:bodyPr/>
           <a:lstStyle/>
           <a:p>
-            <a:fld id="{E8336413-7287-4ED6-BC79-674E0B0323A7}" type="slidenum">
+            <a:fld id="{868F5E60-DE34-4CC5-907E-24705BD6C173}" type="slidenum">
               <a:rPr lang="zh-CN" altLang="en-US" smtClean="0"/>
               <a:t>‹#›</a:t>
             </a:fld>
@@ -1873,7 +1873,7 @@
     </p:spTree>
     <p:extLst>
       <p:ext uri="{BB962C8B-B14F-4D97-AF65-F5344CB8AC3E}">
-        <p14:creationId xmlns:p14="http://schemas.microsoft.com/office/powerpoint/2010/main" val="1108043141"/>
+        <p14:creationId xmlns:p14="http://schemas.microsoft.com/office/powerpoint/2010/main" val="130057605"/>
       </p:ext>
     </p:extLst>
   </p:cSld>
@@ -1905,7 +1905,7 @@
           <p:cNvPr id="2" name="标题 1">
             <a:extLst>
               <a:ext uri="{FF2B5EF4-FFF2-40B4-BE49-F238E27FC236}">
-                <a16:creationId xmlns:a16="http://schemas.microsoft.com/office/drawing/2014/main" id="{459613EA-209E-8AD3-4BBE-A6DE9B486B90}"/>
+                <a16:creationId xmlns:a16="http://schemas.microsoft.com/office/drawing/2014/main" id="{D115B021-1E7E-6442-668D-68198339D627}"/>
               </a:ext>
             </a:extLst>
           </p:cNvPr>
@@ -1933,7 +1933,7 @@
           <p:cNvPr id="3" name="日期占位符 2">
             <a:extLst>
               <a:ext uri="{FF2B5EF4-FFF2-40B4-BE49-F238E27FC236}">
-                <a16:creationId xmlns:a16="http://schemas.microsoft.com/office/drawing/2014/main" id="{0B4FBD20-95E8-58AF-F936-26FFBB070E8E}"/>
+                <a16:creationId xmlns:a16="http://schemas.microsoft.com/office/drawing/2014/main" id="{4DE23FC4-D178-0F0E-C34B-95DA7BD562CB}"/>
               </a:ext>
             </a:extLst>
           </p:cNvPr>
@@ -1949,7 +1949,7 @@
           <a:bodyPr/>
           <a:lstStyle/>
           <a:p>
-            <a:fld id="{2DEFC3F2-9836-421C-A191-EC00E13C977F}" type="datetimeFigureOut">
+            <a:fld id="{CC7B7455-9CB7-46C8-86D2-17A22DE21864}" type="datetimeFigureOut">
               <a:rPr lang="zh-CN" altLang="en-US" smtClean="0"/>
               <a:t>2024/3/10</a:t>
             </a:fld>
@@ -1962,7 +1962,7 @@
           <p:cNvPr id="4" name="页脚占位符 3">
             <a:extLst>
               <a:ext uri="{FF2B5EF4-FFF2-40B4-BE49-F238E27FC236}">
-                <a16:creationId xmlns:a16="http://schemas.microsoft.com/office/drawing/2014/main" id="{004122A0-0E8E-2098-7AA3-5FEF9498881C}"/>
+                <a16:creationId xmlns:a16="http://schemas.microsoft.com/office/drawing/2014/main" id="{E4105F25-ECA8-7B77-89CA-AB36146F0A98}"/>
               </a:ext>
             </a:extLst>
           </p:cNvPr>
@@ -1987,7 +1987,7 @@
           <p:cNvPr id="5" name="灯片编号占位符 4">
             <a:extLst>
               <a:ext uri="{FF2B5EF4-FFF2-40B4-BE49-F238E27FC236}">
-                <a16:creationId xmlns:a16="http://schemas.microsoft.com/office/drawing/2014/main" id="{ADE86D56-AF2C-B0D3-BE16-0D87A7EB394A}"/>
+                <a16:creationId xmlns:a16="http://schemas.microsoft.com/office/drawing/2014/main" id="{DEF9C42D-2CD7-3D31-01FF-0930CF3768CC}"/>
               </a:ext>
             </a:extLst>
           </p:cNvPr>
@@ -2003,7 +2003,7 @@
           <a:bodyPr/>
           <a:lstStyle/>
           <a:p>
-            <a:fld id="{E8336413-7287-4ED6-BC79-674E0B0323A7}" type="slidenum">
+            <a:fld id="{868F5E60-DE34-4CC5-907E-24705BD6C173}" type="slidenum">
               <a:rPr lang="zh-CN" altLang="en-US" smtClean="0"/>
               <a:t>‹#›</a:t>
             </a:fld>
@@ -2014,7 +2014,7 @@
     </p:spTree>
     <p:extLst>
       <p:ext uri="{BB962C8B-B14F-4D97-AF65-F5344CB8AC3E}">
-        <p14:creationId xmlns:p14="http://schemas.microsoft.com/office/powerpoint/2010/main" val="2772352818"/>
+        <p14:creationId xmlns:p14="http://schemas.microsoft.com/office/powerpoint/2010/main" val="4221128691"/>
       </p:ext>
     </p:extLst>
   </p:cSld>
@@ -2046,7 +2046,7 @@
           <p:cNvPr id="2" name="日期占位符 1">
             <a:extLst>
               <a:ext uri="{FF2B5EF4-FFF2-40B4-BE49-F238E27FC236}">
-                <a16:creationId xmlns:a16="http://schemas.microsoft.com/office/drawing/2014/main" id="{27BA526F-59C0-316D-1D47-C59857B293CF}"/>
+                <a16:creationId xmlns:a16="http://schemas.microsoft.com/office/drawing/2014/main" id="{1109FEFE-5DC8-DFF7-66C5-D3B0903A1CB6}"/>
               </a:ext>
             </a:extLst>
           </p:cNvPr>
@@ -2062,7 +2062,7 @@
           <a:bodyPr/>
           <a:lstStyle/>
           <a:p>
-            <a:fld id="{2DEFC3F2-9836-421C-A191-EC00E13C977F}" type="datetimeFigureOut">
+            <a:fld id="{CC7B7455-9CB7-46C8-86D2-17A22DE21864}" type="datetimeFigureOut">
               <a:rPr lang="zh-CN" altLang="en-US" smtClean="0"/>
               <a:t>2024/3/10</a:t>
             </a:fld>
@@ -2075,7 +2075,7 @@
           <p:cNvPr id="3" name="页脚占位符 2">
             <a:extLst>
               <a:ext uri="{FF2B5EF4-FFF2-40B4-BE49-F238E27FC236}">
-                <a16:creationId xmlns:a16="http://schemas.microsoft.com/office/drawing/2014/main" id="{C9EBCAC4-D601-CD58-EAC2-E13704061310}"/>
+                <a16:creationId xmlns:a16="http://schemas.microsoft.com/office/drawing/2014/main" id="{8A3ED402-E42F-5AB9-903E-64071E892AE5}"/>
               </a:ext>
             </a:extLst>
           </p:cNvPr>
@@ -2100,7 +2100,7 @@
           <p:cNvPr id="4" name="灯片编号占位符 3">
             <a:extLst>
               <a:ext uri="{FF2B5EF4-FFF2-40B4-BE49-F238E27FC236}">
-                <a16:creationId xmlns:a16="http://schemas.microsoft.com/office/drawing/2014/main" id="{1994E252-BA4E-D894-5E17-A9D3ED0E7D1F}"/>
+                <a16:creationId xmlns:a16="http://schemas.microsoft.com/office/drawing/2014/main" id="{E099DD61-5567-65A1-CCFA-3BDDB1C2E256}"/>
               </a:ext>
             </a:extLst>
           </p:cNvPr>
@@ -2116,7 +2116,7 @@
           <a:bodyPr/>
           <a:lstStyle/>
           <a:p>
-            <a:fld id="{E8336413-7287-4ED6-BC79-674E0B0323A7}" type="slidenum">
+            <a:fld id="{868F5E60-DE34-4CC5-907E-24705BD6C173}" type="slidenum">
               <a:rPr lang="zh-CN" altLang="en-US" smtClean="0"/>
               <a:t>‹#›</a:t>
             </a:fld>
@@ -2127,7 +2127,7 @@
     </p:spTree>
     <p:extLst>
       <p:ext uri="{BB962C8B-B14F-4D97-AF65-F5344CB8AC3E}">
-        <p14:creationId xmlns:p14="http://schemas.microsoft.com/office/powerpoint/2010/main" val="1116063663"/>
+        <p14:creationId xmlns:p14="http://schemas.microsoft.com/office/powerpoint/2010/main" val="4114270190"/>
       </p:ext>
     </p:extLst>
   </p:cSld>
@@ -2159,7 +2159,7 @@
           <p:cNvPr id="2" name="标题 1">
             <a:extLst>
               <a:ext uri="{FF2B5EF4-FFF2-40B4-BE49-F238E27FC236}">
-                <a16:creationId xmlns:a16="http://schemas.microsoft.com/office/drawing/2014/main" id="{CA30314C-B564-2244-D907-B3B6AA05CB11}"/>
+                <a16:creationId xmlns:a16="http://schemas.microsoft.com/office/drawing/2014/main" id="{5393A1CE-0409-D8FD-D0C3-F820BA74FB7C}"/>
               </a:ext>
             </a:extLst>
           </p:cNvPr>
@@ -2196,7 +2196,7 @@
           <p:cNvPr id="3" name="内容占位符 2">
             <a:extLst>
               <a:ext uri="{FF2B5EF4-FFF2-40B4-BE49-F238E27FC236}">
-                <a16:creationId xmlns:a16="http://schemas.microsoft.com/office/drawing/2014/main" id="{FBE2ED23-B55F-5B80-B9CD-6B928F8A0113}"/>
+                <a16:creationId xmlns:a16="http://schemas.microsoft.com/office/drawing/2014/main" id="{D850C791-239E-1315-D5E4-9A66F854E887}"/>
               </a:ext>
             </a:extLst>
           </p:cNvPr>
@@ -2286,7 +2286,7 @@
           <p:cNvPr id="4" name="文本占位符 3">
             <a:extLst>
               <a:ext uri="{FF2B5EF4-FFF2-40B4-BE49-F238E27FC236}">
-                <a16:creationId xmlns:a16="http://schemas.microsoft.com/office/drawing/2014/main" id="{4644BCC0-FFA7-441D-C56C-1A6DB7F1D978}"/>
+                <a16:creationId xmlns:a16="http://schemas.microsoft.com/office/drawing/2014/main" id="{3CA6C188-0DB9-0209-B58A-955B8E32FBF0}"/>
               </a:ext>
             </a:extLst>
           </p:cNvPr>
@@ -2357,7 +2357,7 @@
           <p:cNvPr id="5" name="日期占位符 4">
             <a:extLst>
               <a:ext uri="{FF2B5EF4-FFF2-40B4-BE49-F238E27FC236}">
-                <a16:creationId xmlns:a16="http://schemas.microsoft.com/office/drawing/2014/main" id="{FCF60161-24E5-7F99-664B-5E7530F7184E}"/>
+                <a16:creationId xmlns:a16="http://schemas.microsoft.com/office/drawing/2014/main" id="{F56F05A5-B9C8-3046-27C7-7AACAAAAA554}"/>
               </a:ext>
             </a:extLst>
           </p:cNvPr>
@@ -2373,7 +2373,7 @@
           <a:bodyPr/>
           <a:lstStyle/>
           <a:p>
-            <a:fld id="{2DEFC3F2-9836-421C-A191-EC00E13C977F}" type="datetimeFigureOut">
+            <a:fld id="{CC7B7455-9CB7-46C8-86D2-17A22DE21864}" type="datetimeFigureOut">
               <a:rPr lang="zh-CN" altLang="en-US" smtClean="0"/>
               <a:t>2024/3/10</a:t>
             </a:fld>
@@ -2386,7 +2386,7 @@
           <p:cNvPr id="6" name="页脚占位符 5">
             <a:extLst>
               <a:ext uri="{FF2B5EF4-FFF2-40B4-BE49-F238E27FC236}">
-                <a16:creationId xmlns:a16="http://schemas.microsoft.com/office/drawing/2014/main" id="{EE632850-1273-AE94-5848-44FFDDA19750}"/>
+                <a16:creationId xmlns:a16="http://schemas.microsoft.com/office/drawing/2014/main" id="{9766E759-1F82-B670-1FD4-51CBDD201B8B}"/>
               </a:ext>
             </a:extLst>
           </p:cNvPr>
@@ -2411,7 +2411,7 @@
           <p:cNvPr id="7" name="灯片编号占位符 6">
             <a:extLst>
               <a:ext uri="{FF2B5EF4-FFF2-40B4-BE49-F238E27FC236}">
-                <a16:creationId xmlns:a16="http://schemas.microsoft.com/office/drawing/2014/main" id="{33E4A4F9-2789-3DA0-BC65-DBA8389017E8}"/>
+                <a16:creationId xmlns:a16="http://schemas.microsoft.com/office/drawing/2014/main" id="{69008364-20A5-6269-68D4-630B50637B38}"/>
               </a:ext>
             </a:extLst>
           </p:cNvPr>
@@ -2427,7 +2427,7 @@
           <a:bodyPr/>
           <a:lstStyle/>
           <a:p>
-            <a:fld id="{E8336413-7287-4ED6-BC79-674E0B0323A7}" type="slidenum">
+            <a:fld id="{868F5E60-DE34-4CC5-907E-24705BD6C173}" type="slidenum">
               <a:rPr lang="zh-CN" altLang="en-US" smtClean="0"/>
               <a:t>‹#›</a:t>
             </a:fld>
@@ -2438,7 +2438,7 @@
     </p:spTree>
     <p:extLst>
       <p:ext uri="{BB962C8B-B14F-4D97-AF65-F5344CB8AC3E}">
-        <p14:creationId xmlns:p14="http://schemas.microsoft.com/office/powerpoint/2010/main" val="1117949028"/>
+        <p14:creationId xmlns:p14="http://schemas.microsoft.com/office/powerpoint/2010/main" val="360961481"/>
       </p:ext>
     </p:extLst>
   </p:cSld>
@@ -2470,7 +2470,7 @@
           <p:cNvPr id="2" name="标题 1">
             <a:extLst>
               <a:ext uri="{FF2B5EF4-FFF2-40B4-BE49-F238E27FC236}">
-                <a16:creationId xmlns:a16="http://schemas.microsoft.com/office/drawing/2014/main" id="{2C67D7BC-8315-C39F-D6BD-5350366E4259}"/>
+                <a16:creationId xmlns:a16="http://schemas.microsoft.com/office/drawing/2014/main" id="{30F77E22-5AE7-FDF4-9860-219CB059B4E5}"/>
               </a:ext>
             </a:extLst>
           </p:cNvPr>
@@ -2507,7 +2507,7 @@
           <p:cNvPr id="3" name="图片占位符 2">
             <a:extLst>
               <a:ext uri="{FF2B5EF4-FFF2-40B4-BE49-F238E27FC236}">
-                <a16:creationId xmlns:a16="http://schemas.microsoft.com/office/drawing/2014/main" id="{DE56D90B-2B83-104B-66F7-9A9DDC08D190}"/>
+                <a16:creationId xmlns:a16="http://schemas.microsoft.com/office/drawing/2014/main" id="{F94AFBC6-7208-A7C2-4F2D-D51F2DE9CE2B}"/>
               </a:ext>
             </a:extLst>
           </p:cNvPr>
@@ -2574,7 +2574,7 @@
           <p:cNvPr id="4" name="文本占位符 3">
             <a:extLst>
               <a:ext uri="{FF2B5EF4-FFF2-40B4-BE49-F238E27FC236}">
-                <a16:creationId xmlns:a16="http://schemas.microsoft.com/office/drawing/2014/main" id="{F2C72544-4B89-4F1D-A9FA-0514ED380FE6}"/>
+                <a16:creationId xmlns:a16="http://schemas.microsoft.com/office/drawing/2014/main" id="{1938701E-3525-1793-E393-7D8974FD46BA}"/>
               </a:ext>
             </a:extLst>
           </p:cNvPr>
@@ -2645,7 +2645,7 @@
           <p:cNvPr id="5" name="日期占位符 4">
             <a:extLst>
               <a:ext uri="{FF2B5EF4-FFF2-40B4-BE49-F238E27FC236}">
-                <a16:creationId xmlns:a16="http://schemas.microsoft.com/office/drawing/2014/main" id="{24F08B28-4800-649F-C826-72AA75D3197F}"/>
+                <a16:creationId xmlns:a16="http://schemas.microsoft.com/office/drawing/2014/main" id="{A76C7AB1-C63F-8955-21A6-B0355BD063B9}"/>
               </a:ext>
             </a:extLst>
           </p:cNvPr>
@@ -2661,7 +2661,7 @@
           <a:bodyPr/>
           <a:lstStyle/>
           <a:p>
-            <a:fld id="{2DEFC3F2-9836-421C-A191-EC00E13C977F}" type="datetimeFigureOut">
+            <a:fld id="{CC7B7455-9CB7-46C8-86D2-17A22DE21864}" type="datetimeFigureOut">
               <a:rPr lang="zh-CN" altLang="en-US" smtClean="0"/>
               <a:t>2024/3/10</a:t>
             </a:fld>
@@ -2674,7 +2674,7 @@
           <p:cNvPr id="6" name="页脚占位符 5">
             <a:extLst>
               <a:ext uri="{FF2B5EF4-FFF2-40B4-BE49-F238E27FC236}">
-                <a16:creationId xmlns:a16="http://schemas.microsoft.com/office/drawing/2014/main" id="{91EE1F96-60D8-0683-B580-6879F8C832F6}"/>
+                <a16:creationId xmlns:a16="http://schemas.microsoft.com/office/drawing/2014/main" id="{482FFCBE-CBF0-B454-F3DE-48D06CFCABE6}"/>
               </a:ext>
             </a:extLst>
           </p:cNvPr>
@@ -2699,7 +2699,7 @@
           <p:cNvPr id="7" name="灯片编号占位符 6">
             <a:extLst>
               <a:ext uri="{FF2B5EF4-FFF2-40B4-BE49-F238E27FC236}">
-                <a16:creationId xmlns:a16="http://schemas.microsoft.com/office/drawing/2014/main" id="{80A40866-CD6E-E129-ABEF-A6F033B04A93}"/>
+                <a16:creationId xmlns:a16="http://schemas.microsoft.com/office/drawing/2014/main" id="{01704B95-1837-7CB6-4F54-D16B37E32299}"/>
               </a:ext>
             </a:extLst>
           </p:cNvPr>
@@ -2715,7 +2715,7 @@
           <a:bodyPr/>
           <a:lstStyle/>
           <a:p>
-            <a:fld id="{E8336413-7287-4ED6-BC79-674E0B0323A7}" type="slidenum">
+            <a:fld id="{868F5E60-DE34-4CC5-907E-24705BD6C173}" type="slidenum">
               <a:rPr lang="zh-CN" altLang="en-US" smtClean="0"/>
               <a:t>‹#›</a:t>
             </a:fld>
@@ -2726,7 +2726,7 @@
     </p:spTree>
     <p:extLst>
       <p:ext uri="{BB962C8B-B14F-4D97-AF65-F5344CB8AC3E}">
-        <p14:creationId xmlns:p14="http://schemas.microsoft.com/office/powerpoint/2010/main" val="1771681921"/>
+        <p14:creationId xmlns:p14="http://schemas.microsoft.com/office/powerpoint/2010/main" val="521910984"/>
       </p:ext>
     </p:extLst>
   </p:cSld>
@@ -2763,7 +2763,7 @@
           <p:cNvPr id="2" name="标题占位符 1">
             <a:extLst>
               <a:ext uri="{FF2B5EF4-FFF2-40B4-BE49-F238E27FC236}">
-                <a16:creationId xmlns:a16="http://schemas.microsoft.com/office/drawing/2014/main" id="{7E5CCA08-74F1-F9EB-2EB5-FA890375BD9F}"/>
+                <a16:creationId xmlns:a16="http://schemas.microsoft.com/office/drawing/2014/main" id="{5DB64445-0D7B-7340-5819-7A2298444F67}"/>
               </a:ext>
             </a:extLst>
           </p:cNvPr>
@@ -2801,7 +2801,7 @@
           <p:cNvPr id="3" name="文本占位符 2">
             <a:extLst>
               <a:ext uri="{FF2B5EF4-FFF2-40B4-BE49-F238E27FC236}">
-                <a16:creationId xmlns:a16="http://schemas.microsoft.com/office/drawing/2014/main" id="{708532D4-3CF9-F14E-B8FD-E43ED0350F8C}"/>
+                <a16:creationId xmlns:a16="http://schemas.microsoft.com/office/drawing/2014/main" id="{D1798AA4-E145-DA99-C080-324F760EB2A2}"/>
               </a:ext>
             </a:extLst>
           </p:cNvPr>
@@ -2868,7 +2868,7 @@
           <p:cNvPr id="4" name="日期占位符 3">
             <a:extLst>
               <a:ext uri="{FF2B5EF4-FFF2-40B4-BE49-F238E27FC236}">
-                <a16:creationId xmlns:a16="http://schemas.microsoft.com/office/drawing/2014/main" id="{C3A3C15A-8957-32B5-E7DF-65098FAB9A4E}"/>
+                <a16:creationId xmlns:a16="http://schemas.microsoft.com/office/drawing/2014/main" id="{339A4AEC-CB7A-672D-EE90-4E85CDEF158A}"/>
               </a:ext>
             </a:extLst>
           </p:cNvPr>
@@ -2902,7 +2902,7 @@
             </a:lvl1pPr>
           </a:lstStyle>
           <a:p>
-            <a:fld id="{2DEFC3F2-9836-421C-A191-EC00E13C977F}" type="datetimeFigureOut">
+            <a:fld id="{CC7B7455-9CB7-46C8-86D2-17A22DE21864}" type="datetimeFigureOut">
               <a:rPr lang="zh-CN" altLang="en-US" smtClean="0"/>
               <a:t>2024/3/10</a:t>
             </a:fld>
@@ -2915,7 +2915,7 @@
           <p:cNvPr id="5" name="页脚占位符 4">
             <a:extLst>
               <a:ext uri="{FF2B5EF4-FFF2-40B4-BE49-F238E27FC236}">
-                <a16:creationId xmlns:a16="http://schemas.microsoft.com/office/drawing/2014/main" id="{4BC3D9BB-ABE0-F181-3DA8-A8B2A648E9BE}"/>
+                <a16:creationId xmlns:a16="http://schemas.microsoft.com/office/drawing/2014/main" id="{1FC73C44-9F35-5124-F8E2-DE25FA43ACAD}"/>
               </a:ext>
             </a:extLst>
           </p:cNvPr>
@@ -2958,7 +2958,7 @@
           <p:cNvPr id="6" name="灯片编号占位符 5">
             <a:extLst>
               <a:ext uri="{FF2B5EF4-FFF2-40B4-BE49-F238E27FC236}">
-                <a16:creationId xmlns:a16="http://schemas.microsoft.com/office/drawing/2014/main" id="{204798B9-40FA-F27D-CDD3-99425BBB931C}"/>
+                <a16:creationId xmlns:a16="http://schemas.microsoft.com/office/drawing/2014/main" id="{875D358C-AF71-6F8F-82A0-0A91A7690DA1}"/>
               </a:ext>
             </a:extLst>
           </p:cNvPr>
@@ -2992,7 +2992,7 @@
             </a:lvl1pPr>
           </a:lstStyle>
           <a:p>
-            <a:fld id="{E8336413-7287-4ED6-BC79-674E0B0323A7}" type="slidenum">
+            <a:fld id="{868F5E60-DE34-4CC5-907E-24705BD6C173}" type="slidenum">
               <a:rPr lang="zh-CN" altLang="en-US" smtClean="0"/>
               <a:t>‹#›</a:t>
             </a:fld>
@@ -3003,7 +3003,7 @@
     </p:spTree>
     <p:extLst>
       <p:ext uri="{BB962C8B-B14F-4D97-AF65-F5344CB8AC3E}">
-        <p14:creationId xmlns:p14="http://schemas.microsoft.com/office/powerpoint/2010/main" val="3078654275"/>
+        <p14:creationId xmlns:p14="http://schemas.microsoft.com/office/powerpoint/2010/main" val="2168272189"/>
       </p:ext>
     </p:extLst>
   </p:cSld>
